--- a/meetings-ietf/ietf-115/slides-115-alto-transport-11-11-working-11-09.pptx
+++ b/meetings-ietf/ietf-115/slides-115-alto-transport-11-11-working-11-09.pptx
@@ -3731,7 +3731,7 @@
             </a:br>
             <a:r>
               <a:rPr lang="en-US" sz="2400" dirty="0"/>
-              <a:t>draft-schott-alto-new-transport-pull-00</a:t>
+              <a:t>draft-schott-alto-new-transport-pull-00 (TO DO)</a:t>
             </a:r>
             <a:br>
               <a:rPr lang="en-US" sz="2400" dirty="0"/>
@@ -3942,7 +3942,7 @@
         </p:nvCxnSpPr>
         <p:spPr bwMode="auto">
           <a:xfrm>
-            <a:off x="2975675" y="1022888"/>
+            <a:off x="3394129" y="1022888"/>
             <a:ext cx="0" cy="5067946"/>
           </a:xfrm>
           <a:prstGeom prst="line">
@@ -3977,7 +3977,7 @@
         </p:nvCxnSpPr>
         <p:spPr bwMode="auto">
           <a:xfrm>
-            <a:off x="6777933" y="1022888"/>
+            <a:off x="7196387" y="1022888"/>
             <a:ext cx="0" cy="5067946"/>
           </a:xfrm>
           <a:prstGeom prst="line">
@@ -4012,7 +4012,7 @@
         </p:nvSpPr>
         <p:spPr>
           <a:xfrm>
-            <a:off x="2479729" y="684334"/>
+            <a:off x="2836190" y="684334"/>
             <a:ext cx="1281376" cy="338554"/>
           </a:xfrm>
           <a:prstGeom prst="rect">
@@ -4047,7 +4047,7 @@
         </p:nvSpPr>
         <p:spPr>
           <a:xfrm>
-            <a:off x="5838048" y="684334"/>
+            <a:off x="6194509" y="684334"/>
             <a:ext cx="1363130" cy="338554"/>
           </a:xfrm>
           <a:prstGeom prst="rect">
@@ -4082,7 +4082,7 @@
         </p:nvCxnSpPr>
         <p:spPr bwMode="auto">
           <a:xfrm>
-            <a:off x="3228903" y="1549831"/>
+            <a:off x="3647357" y="1549831"/>
             <a:ext cx="3355291" cy="185979"/>
           </a:xfrm>
           <a:prstGeom prst="straightConnector1">
@@ -4117,8 +4117,8 @@
         </p:nvSpPr>
         <p:spPr>
           <a:xfrm rot="214024">
-            <a:off x="3407150" y="1279222"/>
-            <a:ext cx="3135795" cy="584775"/>
+            <a:off x="3774308" y="1279222"/>
+            <a:ext cx="3238387" cy="584775"/>
           </a:xfrm>
           <a:prstGeom prst="rect">
             <a:avLst/>
@@ -4134,7 +4134,7 @@
             <a:pPr algn="ctr"/>
             <a:r>
               <a:rPr lang="en-US" dirty="0"/>
-              <a:t>CRD incremental-update-queue </a:t>
+              <a:t>CRD incremental-updates-queue </a:t>
             </a:r>
             <a:br>
               <a:rPr lang="en-US" dirty="0"/>
@@ -4160,7 +4160,7 @@
         </p:nvCxnSpPr>
         <p:spPr bwMode="auto">
           <a:xfrm>
-            <a:off x="3133331" y="2585636"/>
+            <a:off x="3551785" y="2585636"/>
             <a:ext cx="3355291" cy="185979"/>
           </a:xfrm>
           <a:prstGeom prst="straightConnector1">
@@ -4195,7 +4195,7 @@
         </p:nvSpPr>
         <p:spPr>
           <a:xfrm rot="214024">
-            <a:off x="3031058" y="2036935"/>
+            <a:off x="3449512" y="2036935"/>
             <a:ext cx="3696845" cy="830997"/>
           </a:xfrm>
           <a:prstGeom prst="rect">
@@ -4247,7 +4247,7 @@
         </p:nvCxnSpPr>
         <p:spPr bwMode="auto">
           <a:xfrm flipH="1">
-            <a:off x="3385009" y="4176372"/>
+            <a:off x="3803463" y="4176372"/>
             <a:ext cx="2954182" cy="106984"/>
           </a:xfrm>
           <a:prstGeom prst="straightConnector1">
@@ -4282,7 +4282,7 @@
         </p:nvSpPr>
         <p:spPr>
           <a:xfrm rot="214024">
-            <a:off x="3040939" y="3280463"/>
+            <a:off x="3459393" y="3280463"/>
             <a:ext cx="3720891" cy="830997"/>
           </a:xfrm>
           <a:prstGeom prst="rect">
@@ -4332,7 +4332,7 @@
         </p:nvCxnSpPr>
         <p:spPr bwMode="auto">
           <a:xfrm>
-            <a:off x="1890793" y="4881966"/>
+            <a:off x="2309247" y="4881966"/>
             <a:ext cx="6354305" cy="0"/>
           </a:xfrm>
           <a:prstGeom prst="line">
@@ -4369,7 +4369,7 @@
         </p:nvCxnSpPr>
         <p:spPr bwMode="auto">
           <a:xfrm flipH="1">
-            <a:off x="3475417" y="5971596"/>
+            <a:off x="3893871" y="5971596"/>
             <a:ext cx="2954182" cy="106984"/>
           </a:xfrm>
           <a:prstGeom prst="straightConnector1">
@@ -4404,7 +4404,7 @@
         </p:nvSpPr>
         <p:spPr>
           <a:xfrm rot="214024">
-            <a:off x="2890897" y="5276288"/>
+            <a:off x="3309351" y="5276288"/>
             <a:ext cx="4201791" cy="584775"/>
           </a:xfrm>
           <a:prstGeom prst="rect">
@@ -4509,8 +4509,8 @@
         </p:nvSpPr>
         <p:spPr>
           <a:xfrm>
-            <a:off x="167218" y="851118"/>
-            <a:ext cx="7116986" cy="5334000"/>
+            <a:off x="167218" y="851117"/>
+            <a:ext cx="7116986" cy="5596177"/>
           </a:xfrm>
         </p:spPr>
         <p:txBody>
@@ -4676,7 +4676,7 @@
         <p:spPr bwMode="auto">
           <a:xfrm>
             <a:off x="6923998" y="3425125"/>
-            <a:ext cx="5083095" cy="2251129"/>
+            <a:ext cx="5083095" cy="3022169"/>
           </a:xfrm>
           <a:prstGeom prst="rect">
             <a:avLst/>
@@ -5048,31 +5048,22 @@
             </a:r>
           </a:p>
           <a:p>
+            <a:r>
+              <a:rPr lang="en-US" sz="2400" dirty="0"/>
+              <a:t>Transfer processing (at the client) requirements</a:t>
+            </a:r>
+          </a:p>
+          <a:p>
             <a:pPr lvl="1"/>
-            <a:r>
-              <a:rPr lang="en-US" sz="2000" dirty="0"/>
-              <a:t>Transfer processing (at the client) requirements</a:t>
-            </a:r>
-          </a:p>
-          <a:p>
-            <a:pPr lvl="2"/>
             <a:r>
               <a:rPr lang="en-US" sz="2000" dirty="0"/>
               <a:t>Specify (SHOULD include) tag to enforce correctness</a:t>
             </a:r>
           </a:p>
           <a:p>
-            <a:pPr lvl="2"/>
-            <a:r>
-              <a:rPr lang="en-US" sz="2000" dirty="0"/>
-              <a:t>Specify only operational considerations on transfer scheduling of dependent updates as performance optimization</a:t>
-            </a:r>
-          </a:p>
-          <a:p>
-            <a:pPr lvl="1"/>
-            <a:r>
-              <a:rPr lang="en-US" sz="2000" dirty="0"/>
-              <a:t>Specify that other HTTP transport control (e.g., concurrency control) should be honored, but is transparent to ALTO transport</a:t>
+            <a:r>
+              <a:rPr lang="en-US" sz="2400" dirty="0"/>
+              <a:t>Specify that other HTTP transport control (e.g., concurrency control) should be honored, but is transparent to ALTO transport (discuss in WG)</a:t>
             </a:r>
           </a:p>
         </p:txBody>
@@ -5153,7 +5144,7 @@
         </p:nvSpPr>
         <p:spPr>
           <a:xfrm>
-            <a:off x="167217" y="866616"/>
+            <a:off x="167217" y="789126"/>
             <a:ext cx="11808883" cy="5334000"/>
           </a:xfrm>
         </p:spPr>
@@ -5177,15 +5168,7 @@
             <a:pPr lvl="2"/>
             <a:r>
               <a:rPr lang="en-US" sz="2400" dirty="0"/>
-              <a:t>Start: put self into &lt;</a:t>
-            </a:r>
-            <a:r>
-              <a:rPr lang="en-US" sz="2400" dirty="0" err="1"/>
-              <a:t>inc</a:t>
-            </a:r>
-            <a:r>
-              <a:rPr lang="en-US" sz="2400" dirty="0"/>
-              <a:t>-queue&gt;/</a:t>
+              <a:t>Start: put self into &lt;updates-queue&gt;/</a:t>
             </a:r>
             <a:r>
               <a:rPr lang="en-US" sz="2400" dirty="0" err="1"/>
@@ -5432,8 +5415,12 @@
           </a:p>
           <a:p>
             <a:r>
+              <a:rPr lang="en-US"/>
+              <a:t>Seek WG </a:t>
+            </a:r>
+            <a:r>
               <a:rPr lang="en-US" dirty="0"/>
-              <a:t>Seek more through WG reviews</a:t>
+              <a:t>reviews</a:t>
             </a:r>
           </a:p>
         </p:txBody>
@@ -9369,7 +9356,7 @@
             <a:pPr lvl="2"/>
             <a:r>
               <a:rPr lang="en-US" dirty="0"/>
-              <a:t>PUSH_PROMISE (HTTP/2/3)</a:t>
+              <a:t>PUSH_PROMISE (HTTP/2-3)</a:t>
             </a:r>
           </a:p>
           <a:p>
@@ -10772,7 +10759,7 @@
           <a:p>
             <a:r>
               <a:rPr lang="en-US" dirty="0"/>
-              <a:t>Style guide recommends using HTTP/1.1 for examples</a:t>
+              <a:t>Style guide recommends using HTTP/1.1 to specify examples</a:t>
             </a:r>
           </a:p>
           <a:p>
@@ -10965,52 +10952,67 @@
           <a:lstStyle/>
           <a:p>
             <a:r>
-              <a:rPr lang="en-US" dirty="0"/>
+              <a:rPr lang="en-US" sz="2800" dirty="0"/>
               <a:t>Split the single document into multiple documents</a:t>
             </a:r>
           </a:p>
           <a:p>
             <a:pPr lvl="1"/>
             <a:r>
-              <a:rPr lang="en-US" dirty="0"/>
-              <a:t>Principle: decompose HTTP version independent components (work across HTTP/1.x/2/3); if dependent on a version, make the component a specific document</a:t>
+              <a:rPr lang="en-US" sz="2400" dirty="0"/>
+              <a:t>Principle: decompose HTTP version independent components (work across HTTP/1.x-2-3); if dependent on a version, make the component a specific document</a:t>
             </a:r>
           </a:p>
           <a:p>
             <a:pPr lvl="1"/>
-            <a:endParaRPr lang="en-US" dirty="0"/>
-          </a:p>
-          <a:p>
-            <a:r>
-              <a:rPr lang="en-US" dirty="0"/>
+            <a:endParaRPr lang="en-US" sz="2400" dirty="0"/>
+          </a:p>
+          <a:p>
+            <a:r>
+              <a:rPr lang="en-US" sz="2800" dirty="0"/>
               <a:t>Main change: 3 documents</a:t>
             </a:r>
           </a:p>
           <a:p>
             <a:pPr lvl="1"/>
             <a:r>
-              <a:rPr lang="en-US" dirty="0"/>
+              <a:rPr lang="en-US" sz="2400" dirty="0"/>
               <a:t>Doc 1: Specify common model supporting incremental updates</a:t>
             </a:r>
           </a:p>
           <a:p>
             <a:pPr lvl="1"/>
             <a:r>
-              <a:rPr lang="en-US" dirty="0"/>
-              <a:t>Doc 2: Specify client pull, client long pull (realistic only HTTP/2-3 )</a:t>
+              <a:rPr lang="en-US" sz="2400" dirty="0"/>
+              <a:t>Doc 2: Specify client pull, client long pull (realistic only HTTP/2-3)</a:t>
+            </a:r>
+          </a:p>
+          <a:p>
+            <a:pPr lvl="2"/>
+            <a:r>
+              <a:rPr lang="en-US" sz="2400" dirty="0"/>
+              <a:t>Still part of Doc 1, need to move to a </a:t>
+            </a:r>
+            <a:r>
+              <a:rPr lang="en-US" sz="2400" dirty="0" err="1"/>
+              <a:t>sep</a:t>
+            </a:r>
+            <a:r>
+              <a:rPr lang="en-US" sz="2400" dirty="0"/>
+              <a:t> doc if WG agrees</a:t>
             </a:r>
           </a:p>
           <a:p>
             <a:pPr lvl="1"/>
             <a:r>
-              <a:rPr lang="en-US" dirty="0"/>
+              <a:rPr lang="en-US" sz="2400" dirty="0"/>
               <a:t>Doc 3: Server push (HTTP/2-3)</a:t>
             </a:r>
           </a:p>
           <a:p>
             <a:pPr lvl="1"/>
             <a:r>
-              <a:rPr lang="en-US" dirty="0"/>
+              <a:rPr lang="en-US" sz="2400" dirty="0"/>
               <a:t>leave server put as future work (because additional complexity such as NAT)</a:t>
             </a:r>
           </a:p>
